--- a/PLCT/ImplementationanalysisofRISC-VZfinxextensioninQEMU.pptx
+++ b/PLCT/ImplementationanalysisofRISC-VZfinxextensioninQEMU.pptx
@@ -289,7 +289,7 @@
           <a:p>
             <a:fld id="{CEFDB8BE-2993-4679-9441-A59B7D5B9CF8}" type="datetimeFigureOut">
               <a:rPr lang="zh-CN" altLang="en-US" smtClean="0"/>
-              <a:t>2020/11/17</a:t>
+              <a:t>2020/11/18</a:t>
             </a:fld>
             <a:endParaRPr lang="zh-CN" altLang="en-US"/>
           </a:p>
@@ -487,7 +487,7 @@
           <a:p>
             <a:fld id="{CEFDB8BE-2993-4679-9441-A59B7D5B9CF8}" type="datetimeFigureOut">
               <a:rPr lang="zh-CN" altLang="en-US" smtClean="0"/>
-              <a:t>2020/11/17</a:t>
+              <a:t>2020/11/18</a:t>
             </a:fld>
             <a:endParaRPr lang="zh-CN" altLang="en-US"/>
           </a:p>
@@ -695,7 +695,7 @@
           <a:p>
             <a:fld id="{CEFDB8BE-2993-4679-9441-A59B7D5B9CF8}" type="datetimeFigureOut">
               <a:rPr lang="zh-CN" altLang="en-US" smtClean="0"/>
-              <a:t>2020/11/17</a:t>
+              <a:t>2020/11/18</a:t>
             </a:fld>
             <a:endParaRPr lang="zh-CN" altLang="en-US"/>
           </a:p>
@@ -893,7 +893,7 @@
           <a:p>
             <a:fld id="{CEFDB8BE-2993-4679-9441-A59B7D5B9CF8}" type="datetimeFigureOut">
               <a:rPr lang="zh-CN" altLang="en-US" smtClean="0"/>
-              <a:t>2020/11/17</a:t>
+              <a:t>2020/11/18</a:t>
             </a:fld>
             <a:endParaRPr lang="zh-CN" altLang="en-US"/>
           </a:p>
@@ -1168,7 +1168,7 @@
           <a:p>
             <a:fld id="{CEFDB8BE-2993-4679-9441-A59B7D5B9CF8}" type="datetimeFigureOut">
               <a:rPr lang="zh-CN" altLang="en-US" smtClean="0"/>
-              <a:t>2020/11/17</a:t>
+              <a:t>2020/11/18</a:t>
             </a:fld>
             <a:endParaRPr lang="zh-CN" altLang="en-US"/>
           </a:p>
@@ -1433,7 +1433,7 @@
           <a:p>
             <a:fld id="{CEFDB8BE-2993-4679-9441-A59B7D5B9CF8}" type="datetimeFigureOut">
               <a:rPr lang="zh-CN" altLang="en-US" smtClean="0"/>
-              <a:t>2020/11/17</a:t>
+              <a:t>2020/11/18</a:t>
             </a:fld>
             <a:endParaRPr lang="zh-CN" altLang="en-US"/>
           </a:p>
@@ -1845,7 +1845,7 @@
           <a:p>
             <a:fld id="{CEFDB8BE-2993-4679-9441-A59B7D5B9CF8}" type="datetimeFigureOut">
               <a:rPr lang="zh-CN" altLang="en-US" smtClean="0"/>
-              <a:t>2020/11/17</a:t>
+              <a:t>2020/11/18</a:t>
             </a:fld>
             <a:endParaRPr lang="zh-CN" altLang="en-US"/>
           </a:p>
@@ -1986,7 +1986,7 @@
           <a:p>
             <a:fld id="{CEFDB8BE-2993-4679-9441-A59B7D5B9CF8}" type="datetimeFigureOut">
               <a:rPr lang="zh-CN" altLang="en-US" smtClean="0"/>
-              <a:t>2020/11/17</a:t>
+              <a:t>2020/11/18</a:t>
             </a:fld>
             <a:endParaRPr lang="zh-CN" altLang="en-US"/>
           </a:p>
@@ -2099,7 +2099,7 @@
           <a:p>
             <a:fld id="{CEFDB8BE-2993-4679-9441-A59B7D5B9CF8}" type="datetimeFigureOut">
               <a:rPr lang="zh-CN" altLang="en-US" smtClean="0"/>
-              <a:t>2020/11/17</a:t>
+              <a:t>2020/11/18</a:t>
             </a:fld>
             <a:endParaRPr lang="zh-CN" altLang="en-US"/>
           </a:p>
@@ -2410,7 +2410,7 @@
           <a:p>
             <a:fld id="{CEFDB8BE-2993-4679-9441-A59B7D5B9CF8}" type="datetimeFigureOut">
               <a:rPr lang="zh-CN" altLang="en-US" smtClean="0"/>
-              <a:t>2020/11/17</a:t>
+              <a:t>2020/11/18</a:t>
             </a:fld>
             <a:endParaRPr lang="zh-CN" altLang="en-US"/>
           </a:p>
@@ -2698,7 +2698,7 @@
           <a:p>
             <a:fld id="{CEFDB8BE-2993-4679-9441-A59B7D5B9CF8}" type="datetimeFigureOut">
               <a:rPr lang="zh-CN" altLang="en-US" smtClean="0"/>
-              <a:t>2020/11/17</a:t>
+              <a:t>2020/11/18</a:t>
             </a:fld>
             <a:endParaRPr lang="zh-CN" altLang="en-US"/>
           </a:p>
@@ -2939,7 +2939,7 @@
           <a:p>
             <a:fld id="{CEFDB8BE-2993-4679-9441-A59B7D5B9CF8}" type="datetimeFigureOut">
               <a:rPr lang="zh-CN" altLang="en-US" smtClean="0"/>
-              <a:t>2020/11/17</a:t>
+              <a:t>2020/11/18</a:t>
             </a:fld>
             <a:endParaRPr lang="zh-CN" altLang="en-US"/>
           </a:p>
@@ -3734,7 +3734,7 @@
           <a:p>
             <a:r>
               <a:rPr lang="en-US" altLang="zh-CN" dirty="0"/>
-              <a:t> a block of target code - Translation Block (TB) is converted into</a:t>
+              <a:t>A block of target code - Translation Block (TB) is converted into</a:t>
             </a:r>
           </a:p>
           <a:p>
@@ -3749,7 +3749,7 @@
           <a:p>
             <a:r>
               <a:rPr lang="en-US" altLang="zh-CN" dirty="0"/>
-              <a:t> the TCG ops for the TB is converted to Host code for the host’s</a:t>
+              <a:t>The TCG ops for the TB is converted to Host code for the host’s</a:t>
             </a:r>
           </a:p>
           <a:p>
@@ -4240,41 +4240,6 @@
           </a:p>
         </p:txBody>
       </p:sp>
-      <p:pic>
-        <p:nvPicPr>
-          <p:cNvPr id="5" name="内容占位符 4">
-            <a:extLst>
-              <a:ext uri="{FF2B5EF4-FFF2-40B4-BE49-F238E27FC236}">
-                <a16:creationId xmlns:a16="http://schemas.microsoft.com/office/drawing/2014/main" id="{8B1340E7-3005-4B6F-8C02-5ABF1C611097}"/>
-              </a:ext>
-            </a:extLst>
-          </p:cNvPr>
-          <p:cNvPicPr>
-            <a:picLocks noGrp="1" noChangeAspect="1"/>
-          </p:cNvPicPr>
-          <p:nvPr>
-            <p:ph idx="1"/>
-          </p:nvPr>
-        </p:nvPicPr>
-        <p:blipFill>
-          <a:blip r:embed="rId2">
-            <a:extLst>
-              <a:ext uri="{28A0092B-C50C-407E-A947-70E740481C1C}">
-                <a14:useLocalDpi xmlns:a14="http://schemas.microsoft.com/office/drawing/2010/main" val="0"/>
-              </a:ext>
-            </a:extLst>
-          </a:blip>
-          <a:stretch>
-            <a:fillRect/>
-          </a:stretch>
-        </p:blipFill>
-        <p:spPr>
-          <a:xfrm>
-            <a:off x="4889358" y="1690688"/>
-            <a:ext cx="2277561" cy="4106619"/>
-          </a:xfrm>
-        </p:spPr>
-      </p:pic>
       <p:sp>
         <p:nvSpPr>
           <p:cNvPr id="6" name="文本框 5">
@@ -4319,6 +4284,41 @@
           </a:p>
         </p:txBody>
       </p:sp>
+      <p:pic>
+        <p:nvPicPr>
+          <p:cNvPr id="8" name="内容占位符 7">
+            <a:extLst>
+              <a:ext uri="{FF2B5EF4-FFF2-40B4-BE49-F238E27FC236}">
+                <a16:creationId xmlns:a16="http://schemas.microsoft.com/office/drawing/2014/main" id="{10B50CB1-868A-40AB-9007-D363690AE6E4}"/>
+              </a:ext>
+            </a:extLst>
+          </p:cNvPr>
+          <p:cNvPicPr>
+            <a:picLocks noGrp="1" noChangeAspect="1"/>
+          </p:cNvPicPr>
+          <p:nvPr>
+            <p:ph idx="1"/>
+          </p:nvPr>
+        </p:nvPicPr>
+        <p:blipFill>
+          <a:blip r:embed="rId2">
+            <a:extLst>
+              <a:ext uri="{28A0092B-C50C-407E-A947-70E740481C1C}">
+                <a14:useLocalDpi xmlns:a14="http://schemas.microsoft.com/office/drawing/2010/main" val="0"/>
+              </a:ext>
+            </a:extLst>
+          </a:blip>
+          <a:stretch>
+            <a:fillRect/>
+          </a:stretch>
+        </p:blipFill>
+        <p:spPr>
+          <a:xfrm>
+            <a:off x="4948206" y="1825625"/>
+            <a:ext cx="2295587" cy="4351338"/>
+          </a:xfrm>
+        </p:spPr>
+      </p:pic>
     </p:spTree>
     <p:extLst>
       <p:ext uri="{BB962C8B-B14F-4D97-AF65-F5344CB8AC3E}">
@@ -4607,6 +4607,42 @@
           </a:xfrm>
         </p:spPr>
       </p:pic>
+      <p:pic>
+        <p:nvPicPr>
+          <p:cNvPr id="4" name="图片 3">
+            <a:extLst>
+              <a:ext uri="{FF2B5EF4-FFF2-40B4-BE49-F238E27FC236}">
+                <a16:creationId xmlns:a16="http://schemas.microsoft.com/office/drawing/2014/main" id="{54198B59-BA01-463F-8F39-18D41B15FE8D}"/>
+              </a:ext>
+            </a:extLst>
+          </p:cNvPr>
+          <p:cNvPicPr>
+            <a:picLocks noChangeAspect="1"/>
+          </p:cNvPicPr>
+          <p:nvPr/>
+        </p:nvPicPr>
+        <p:blipFill>
+          <a:blip r:embed="rId3">
+            <a:extLst>
+              <a:ext uri="{28A0092B-C50C-407E-A947-70E740481C1C}">
+                <a14:useLocalDpi xmlns:a14="http://schemas.microsoft.com/office/drawing/2010/main" val="0"/>
+              </a:ext>
+            </a:extLst>
+          </a:blip>
+          <a:stretch>
+            <a:fillRect/>
+          </a:stretch>
+        </p:blipFill>
+        <p:spPr>
+          <a:xfrm>
+            <a:off x="7297083" y="1890100"/>
+            <a:ext cx="2573391" cy="1718361"/>
+          </a:xfrm>
+          <a:prstGeom prst="rect">
+            <a:avLst/>
+          </a:prstGeom>
+        </p:spPr>
+      </p:pic>
     </p:spTree>
     <p:extLst>
       <p:ext uri="{BB962C8B-B14F-4D97-AF65-F5344CB8AC3E}">
@@ -4715,7 +4751,7 @@
         </p:nvSpPr>
         <p:spPr>
           <a:xfrm>
-            <a:off x="8841259" y="3503141"/>
+            <a:off x="7552075" y="3577282"/>
             <a:ext cx="2578366" cy="646331"/>
           </a:xfrm>
           <a:prstGeom prst="rect">
@@ -4753,6 +4789,42 @@
           </a:p>
         </p:txBody>
       </p:sp>
+      <p:pic>
+        <p:nvPicPr>
+          <p:cNvPr id="4" name="图片 3">
+            <a:extLst>
+              <a:ext uri="{FF2B5EF4-FFF2-40B4-BE49-F238E27FC236}">
+                <a16:creationId xmlns:a16="http://schemas.microsoft.com/office/drawing/2014/main" id="{C78FB68C-EAA7-4D31-9E30-85C06FFE6074}"/>
+              </a:ext>
+            </a:extLst>
+          </p:cNvPr>
+          <p:cNvPicPr>
+            <a:picLocks noChangeAspect="1"/>
+          </p:cNvPicPr>
+          <p:nvPr/>
+        </p:nvPicPr>
+        <p:blipFill>
+          <a:blip r:embed="rId3">
+            <a:extLst>
+              <a:ext uri="{28A0092B-C50C-407E-A947-70E740481C1C}">
+                <a14:useLocalDpi xmlns:a14="http://schemas.microsoft.com/office/drawing/2010/main" val="0"/>
+              </a:ext>
+            </a:extLst>
+          </a:blip>
+          <a:stretch>
+            <a:fillRect/>
+          </a:stretch>
+        </p:blipFill>
+        <p:spPr>
+          <a:xfrm>
+            <a:off x="7552075" y="1813269"/>
+            <a:ext cx="2334724" cy="1810068"/>
+          </a:xfrm>
+          <a:prstGeom prst="rect">
+            <a:avLst/>
+          </a:prstGeom>
+        </p:spPr>
+      </p:pic>
     </p:spTree>
     <p:extLst>
       <p:ext uri="{BB962C8B-B14F-4D97-AF65-F5344CB8AC3E}">
@@ -4890,12 +4962,8 @@
               <a:t>Zfinx</a:t>
             </a:r>
             <a:r>
-              <a:rPr lang="en-US" altLang="zh-CN"/>
-              <a:t> keyword </a:t>
-            </a:r>
-            <a:r>
-              <a:rPr lang="en-US" altLang="zh-CN" dirty="0"/>
-              <a:t>in the source code</a:t>
+              <a:rPr lang="en-US" altLang="zh-CN" dirty="0"/>
+              <a:t> keyword in the source code</a:t>
             </a:r>
           </a:p>
         </p:txBody>
@@ -4953,7 +5021,7 @@
           <a:p>
             <a:r>
               <a:rPr lang="fr-FR" altLang="zh-CN" dirty="0"/>
-              <a:t>Implement zfinx extension in qemu</a:t>
+              <a:t>Implement zfinx extension in QEMU</a:t>
             </a:r>
             <a:endParaRPr lang="zh-CN" altLang="en-US" dirty="0"/>
           </a:p>
@@ -5388,7 +5456,7 @@
           <a:p>
             <a:r>
               <a:rPr lang="en-US" altLang="zh-CN" dirty="0"/>
-              <a:t>instruction set architecture</a:t>
+              <a:t>Instruction set architecture</a:t>
             </a:r>
             <a:endParaRPr lang="zh-CN" altLang="en-US" dirty="0"/>
           </a:p>
@@ -5934,42 +6002,6 @@
           </a:p>
         </p:txBody>
       </p:sp>
-      <p:pic>
-        <p:nvPicPr>
-          <p:cNvPr id="5" name="图片 4">
-            <a:extLst>
-              <a:ext uri="{FF2B5EF4-FFF2-40B4-BE49-F238E27FC236}">
-                <a16:creationId xmlns:a16="http://schemas.microsoft.com/office/drawing/2014/main" id="{02700C36-11DE-4C34-A0A6-E7A6606AEB1A}"/>
-              </a:ext>
-            </a:extLst>
-          </p:cNvPr>
-          <p:cNvPicPr>
-            <a:picLocks noChangeAspect="1"/>
-          </p:cNvPicPr>
-          <p:nvPr/>
-        </p:nvPicPr>
-        <p:blipFill>
-          <a:blip r:embed="rId2">
-            <a:extLst>
-              <a:ext uri="{28A0092B-C50C-407E-A947-70E740481C1C}">
-                <a14:useLocalDpi xmlns:a14="http://schemas.microsoft.com/office/drawing/2010/main" val="0"/>
-              </a:ext>
-            </a:extLst>
-          </a:blip>
-          <a:stretch>
-            <a:fillRect/>
-          </a:stretch>
-        </p:blipFill>
-        <p:spPr>
-          <a:xfrm>
-            <a:off x="2461021" y="3726448"/>
-            <a:ext cx="7269956" cy="514604"/>
-          </a:xfrm>
-          <a:prstGeom prst="rect">
-            <a:avLst/>
-          </a:prstGeom>
-        </p:spPr>
-      </p:pic>
       <p:sp>
         <p:nvSpPr>
           <p:cNvPr id="6" name="文本框 5">
@@ -6006,6 +6038,42 @@
           </a:p>
         </p:txBody>
       </p:sp>
+      <p:pic>
+        <p:nvPicPr>
+          <p:cNvPr id="7" name="图片 6">
+            <a:extLst>
+              <a:ext uri="{FF2B5EF4-FFF2-40B4-BE49-F238E27FC236}">
+                <a16:creationId xmlns:a16="http://schemas.microsoft.com/office/drawing/2014/main" id="{FD27E035-091B-47CA-AAEA-8D1EBA38EFEA}"/>
+              </a:ext>
+            </a:extLst>
+          </p:cNvPr>
+          <p:cNvPicPr>
+            <a:picLocks noChangeAspect="1"/>
+          </p:cNvPicPr>
+          <p:nvPr/>
+        </p:nvPicPr>
+        <p:blipFill>
+          <a:blip r:embed="rId2">
+            <a:extLst>
+              <a:ext uri="{28A0092B-C50C-407E-A947-70E740481C1C}">
+                <a14:useLocalDpi xmlns:a14="http://schemas.microsoft.com/office/drawing/2010/main" val="0"/>
+              </a:ext>
+            </a:extLst>
+          </a:blip>
+          <a:stretch>
+            <a:fillRect/>
+          </a:stretch>
+        </p:blipFill>
+        <p:spPr>
+          <a:xfrm>
+            <a:off x="3160239" y="2664250"/>
+            <a:ext cx="5871519" cy="1901572"/>
+          </a:xfrm>
+          <a:prstGeom prst="rect">
+            <a:avLst/>
+          </a:prstGeom>
+        </p:spPr>
+      </p:pic>
     </p:spTree>
     <p:extLst>
       <p:ext uri="{BB962C8B-B14F-4D97-AF65-F5344CB8AC3E}">
@@ -6125,42 +6193,6 @@
           </a:p>
         </p:txBody>
       </p:sp>
-      <p:pic>
-        <p:nvPicPr>
-          <p:cNvPr id="5" name="图片 4">
-            <a:extLst>
-              <a:ext uri="{FF2B5EF4-FFF2-40B4-BE49-F238E27FC236}">
-                <a16:creationId xmlns:a16="http://schemas.microsoft.com/office/drawing/2014/main" id="{68BACEE7-5F07-4204-AE6B-A3153DFACA56}"/>
-              </a:ext>
-            </a:extLst>
-          </p:cNvPr>
-          <p:cNvPicPr>
-            <a:picLocks noChangeAspect="1"/>
-          </p:cNvPicPr>
-          <p:nvPr/>
-        </p:nvPicPr>
-        <p:blipFill>
-          <a:blip r:embed="rId2">
-            <a:extLst>
-              <a:ext uri="{28A0092B-C50C-407E-A947-70E740481C1C}">
-                <a14:useLocalDpi xmlns:a14="http://schemas.microsoft.com/office/drawing/2010/main" val="0"/>
-              </a:ext>
-            </a:extLst>
-          </a:blip>
-          <a:stretch>
-            <a:fillRect/>
-          </a:stretch>
-        </p:blipFill>
-        <p:spPr>
-          <a:xfrm>
-            <a:off x="2201842" y="3854321"/>
-            <a:ext cx="7788315" cy="2118544"/>
-          </a:xfrm>
-          <a:prstGeom prst="rect">
-            <a:avLst/>
-          </a:prstGeom>
-        </p:spPr>
-      </p:pic>
       <p:sp>
         <p:nvSpPr>
           <p:cNvPr id="6" name="文本框 5">
@@ -6197,6 +6229,42 @@
           </a:p>
         </p:txBody>
       </p:sp>
+      <p:pic>
+        <p:nvPicPr>
+          <p:cNvPr id="7" name="图片 6">
+            <a:extLst>
+              <a:ext uri="{FF2B5EF4-FFF2-40B4-BE49-F238E27FC236}">
+                <a16:creationId xmlns:a16="http://schemas.microsoft.com/office/drawing/2014/main" id="{39D20E50-B7C3-4DC0-8288-18A9BF34D941}"/>
+              </a:ext>
+            </a:extLst>
+          </p:cNvPr>
+          <p:cNvPicPr>
+            <a:picLocks noChangeAspect="1"/>
+          </p:cNvPicPr>
+          <p:nvPr/>
+        </p:nvPicPr>
+        <p:blipFill>
+          <a:blip r:embed="rId2">
+            <a:extLst>
+              <a:ext uri="{28A0092B-C50C-407E-A947-70E740481C1C}">
+                <a14:useLocalDpi xmlns:a14="http://schemas.microsoft.com/office/drawing/2010/main" val="0"/>
+              </a:ext>
+            </a:extLst>
+          </a:blip>
+          <a:stretch>
+            <a:fillRect/>
+          </a:stretch>
+        </p:blipFill>
+        <p:spPr>
+          <a:xfrm>
+            <a:off x="3447315" y="3774522"/>
+            <a:ext cx="5297367" cy="2278142"/>
+          </a:xfrm>
+          <a:prstGeom prst="rect">
+            <a:avLst/>
+          </a:prstGeom>
+        </p:spPr>
+      </p:pic>
     </p:spTree>
     <p:extLst>
       <p:ext uri="{BB962C8B-B14F-4D97-AF65-F5344CB8AC3E}">
@@ -6279,13 +6347,13 @@
           <a:p>
             <a:r>
               <a:rPr lang="en-US" altLang="zh-CN" dirty="0"/>
-              <a:t>short for Quick Emulator</a:t>
-            </a:r>
-          </a:p>
-          <a:p>
-            <a:r>
-              <a:rPr lang="en-US" altLang="zh-CN" dirty="0"/>
-              <a:t> a free and open-source emulator and </a:t>
+              <a:t>Short for Quick Emulator</a:t>
+            </a:r>
+          </a:p>
+          <a:p>
+            <a:r>
+              <a:rPr lang="en-US" altLang="zh-CN" dirty="0"/>
+              <a:t>A free and open-source emulator and </a:t>
             </a:r>
             <a:r>
               <a:rPr lang="en-US" altLang="zh-CN" dirty="0" err="1"/>
@@ -6299,7 +6367,7 @@
           <a:p>
             <a:r>
               <a:rPr lang="en-US" altLang="zh-CN" dirty="0"/>
-              <a:t>emulates the machine's processor through dynamic binary translation</a:t>
+              <a:t>Emulates the machine's processor through dynamic binary translation</a:t>
             </a:r>
             <a:endParaRPr lang="zh-CN" altLang="en-US" dirty="0"/>
           </a:p>
